--- a/Final Presentation/Team 3 Final Presentation.pptx
+++ b/Final Presentation/Team 3 Final Presentation.pptx
@@ -5,10 +5,10 @@
     <p:sldMasterId id="2147483708" r:id="rId1"/>
   </p:sldMasterIdLst>
   <p:notesMasterIdLst>
-    <p:notesMasterId r:id="rId11"/>
+    <p:notesMasterId r:id="rId10"/>
   </p:notesMasterIdLst>
   <p:handoutMasterIdLst>
-    <p:handoutMasterId r:id="rId12"/>
+    <p:handoutMasterId r:id="rId11"/>
   </p:handoutMasterIdLst>
   <p:sldIdLst>
     <p:sldId id="265" r:id="rId2"/>
@@ -18,8 +18,7 @@
     <p:sldId id="275" r:id="rId6"/>
     <p:sldId id="276" r:id="rId7"/>
     <p:sldId id="277" r:id="rId8"/>
-    <p:sldId id="278" r:id="rId9"/>
-    <p:sldId id="273" r:id="rId10"/>
+    <p:sldId id="273" r:id="rId9"/>
   </p:sldIdLst>
   <p:sldSz cx="9144000" cy="6858000" type="screen4x3"/>
   <p:notesSz cx="6858000" cy="9144000"/>
@@ -3872,7 +3871,6 @@
               <a:rPr lang="en-US" dirty="0" smtClean="0"/>
               <a:t>Final Increment Tasks</a:t>
             </a:r>
-            <a:endParaRPr lang="en-US" dirty="0" smtClean="0"/>
           </a:p>
           <a:p>
             <a:r>
@@ -3899,29 +3897,16 @@
           <a:p>
             <a:r>
               <a:rPr lang="en-US" dirty="0" smtClean="0"/>
-              <a:t>Bug </a:t>
+              <a:t>Bug Tracking</a:t>
             </a:r>
+            <a:endParaRPr lang="en-US" dirty="0"/>
+          </a:p>
+          <a:p>
             <a:r>
               <a:rPr lang="en-US" dirty="0" smtClean="0"/>
-              <a:t>Tracking</a:t>
+              <a:t>Final Demonstration</a:t>
             </a:r>
-            <a:endParaRPr lang="en-US" dirty="0"/>
-          </a:p>
-          <a:p>
-            <a:r>
-              <a:rPr lang="en-US" smtClean="0"/>
-              <a:t>Code Walk Through</a:t>
-            </a:r>
-          </a:p>
-          <a:p>
-            <a:r>
-              <a:rPr lang="en-US" smtClean="0"/>
-              <a:t>Final </a:t>
-            </a:r>
-            <a:r>
-              <a:rPr lang="en-US" dirty="0" smtClean="0"/>
-              <a:t>Presentation</a:t>
-            </a:r>
+            <a:endParaRPr lang="en-US" dirty="0" smtClean="0"/>
           </a:p>
           <a:p>
             <a:pPr marL="114300" indent="0">
@@ -10488,7 +10473,7 @@
           <a:p>
             <a:r>
               <a:rPr lang="en-US" dirty="0" smtClean="0"/>
-              <a:t>Code Walk Through</a:t>
+              <a:t>Final Product Demonstration</a:t>
             </a:r>
             <a:endParaRPr lang="en-US" dirty="0"/>
           </a:p>
@@ -10509,6 +10494,21 @@
           <a:bodyPr/>
           <a:lstStyle/>
           <a:p>
+            <a:pPr marL="114300" indent="0">
+              <a:buNone/>
+            </a:pPr>
+            <a:endParaRPr lang="en-US" dirty="0" smtClean="0"/>
+          </a:p>
+          <a:p>
+            <a:pPr marL="114300" indent="0">
+              <a:buNone/>
+            </a:pPr>
+            <a:endParaRPr lang="en-US" dirty="0" smtClean="0"/>
+          </a:p>
+          <a:p>
+            <a:pPr marL="114300" indent="0">
+              <a:buNone/>
+            </a:pPr>
             <a:endParaRPr lang="en-US" dirty="0"/>
           </a:p>
         </p:txBody>
@@ -10531,116 +10531,6 @@
             <a:fld id="{47DBC36D-8629-4A26-B3EA-358F99E6BE49}" type="slidenum">
               <a:rPr lang="en-US" smtClean="0"/>
               <a:t>8</a:t>
-            </a:fld>
-            <a:endParaRPr lang="en-US"/>
-          </a:p>
-        </p:txBody>
-      </p:sp>
-    </p:spTree>
-    <p:extLst>
-      <p:ext uri="{BB962C8B-B14F-4D97-AF65-F5344CB8AC3E}">
-        <p14:creationId xmlns:p14="http://schemas.microsoft.com/office/powerpoint/2010/main" val="2256975972"/>
-      </p:ext>
-    </p:extLst>
-  </p:cSld>
-  <p:clrMapOvr>
-    <a:masterClrMapping/>
-  </p:clrMapOvr>
-</p:sld>
-</file>
-
-<file path=ppt/slides/slide9.xml><?xml version="1.0" encoding="utf-8"?>
-<p:sld xmlns:a="http://schemas.openxmlformats.org/drawingml/2006/main" xmlns:r="http://schemas.openxmlformats.org/officeDocument/2006/relationships" xmlns:p="http://schemas.openxmlformats.org/presentationml/2006/main">
-  <p:cSld>
-    <p:spTree>
-      <p:nvGrpSpPr>
-        <p:cNvPr id="1" name=""/>
-        <p:cNvGrpSpPr/>
-        <p:nvPr/>
-      </p:nvGrpSpPr>
-      <p:grpSpPr>
-        <a:xfrm>
-          <a:off x="0" y="0"/>
-          <a:ext cx="0" cy="0"/>
-          <a:chOff x="0" y="0"/>
-          <a:chExt cx="0" cy="0"/>
-        </a:xfrm>
-      </p:grpSpPr>
-      <p:sp>
-        <p:nvSpPr>
-          <p:cNvPr id="2" name="Title 1"/>
-          <p:cNvSpPr>
-            <a:spLocks noGrp="1"/>
-          </p:cNvSpPr>
-          <p:nvPr>
-            <p:ph type="title"/>
-          </p:nvPr>
-        </p:nvSpPr>
-        <p:spPr/>
-        <p:txBody>
-          <a:bodyPr/>
-          <a:lstStyle/>
-          <a:p>
-            <a:r>
-              <a:rPr lang="en-US" dirty="0" smtClean="0"/>
-              <a:t>Final Product Demonstration</a:t>
-            </a:r>
-            <a:endParaRPr lang="en-US" dirty="0"/>
-          </a:p>
-        </p:txBody>
-      </p:sp>
-      <p:sp>
-        <p:nvSpPr>
-          <p:cNvPr id="3" name="Content Placeholder 2"/>
-          <p:cNvSpPr>
-            <a:spLocks noGrp="1"/>
-          </p:cNvSpPr>
-          <p:nvPr>
-            <p:ph idx="1"/>
-          </p:nvPr>
-        </p:nvSpPr>
-        <p:spPr/>
-        <p:txBody>
-          <a:bodyPr/>
-          <a:lstStyle/>
-          <a:p>
-            <a:pPr marL="114300" indent="0">
-              <a:buNone/>
-            </a:pPr>
-            <a:endParaRPr lang="en-US" dirty="0" smtClean="0"/>
-          </a:p>
-          <a:p>
-            <a:pPr marL="114300" indent="0">
-              <a:buNone/>
-            </a:pPr>
-            <a:endParaRPr lang="en-US" dirty="0" smtClean="0"/>
-          </a:p>
-          <a:p>
-            <a:pPr marL="114300" indent="0">
-              <a:buNone/>
-            </a:pPr>
-            <a:endParaRPr lang="en-US" dirty="0"/>
-          </a:p>
-        </p:txBody>
-      </p:sp>
-      <p:sp>
-        <p:nvSpPr>
-          <p:cNvPr id="4" name="Slide Number Placeholder 3"/>
-          <p:cNvSpPr>
-            <a:spLocks noGrp="1"/>
-          </p:cNvSpPr>
-          <p:nvPr>
-            <p:ph type="sldNum" sz="quarter" idx="12"/>
-          </p:nvPr>
-        </p:nvSpPr>
-        <p:spPr/>
-        <p:txBody>
-          <a:bodyPr/>
-          <a:lstStyle/>
-          <a:p>
-            <a:fld id="{47DBC36D-8629-4A26-B3EA-358F99E6BE49}" type="slidenum">
-              <a:rPr lang="en-US" smtClean="0"/>
-              <a:t>9</a:t>
             </a:fld>
             <a:endParaRPr lang="en-US"/>
           </a:p>
